--- a/tp07-integrador/entrega_2/presentacion/compilador_presentacion.pptx
+++ b/tp07-integrador/entrega_2/presentacion/compilador_presentacion.pptx
@@ -7482,7 +7482,7 @@
           </a:bodyPr>
           <a:lstStyle/>
           <a:p>
-            <a:pPr indent="0" lvl="0" marL="0" rtl="0" algn="l">
+            <a:pPr indent="0" lvl="0" marL="0" rtl="0" algn="r">
               <a:spcBef>
                 <a:spcPts val="0"/>
               </a:spcBef>
@@ -7492,13 +7492,12 @@
               <a:buNone/>
             </a:pPr>
             <a:r>
-              <a:rPr b="1" lang="es" sz="2400"/>
-              <a:t>Integrantes:</a:t>
+              <a:t/>
             </a:r>
             <a:endParaRPr b="1" sz="2400"/>
           </a:p>
           <a:p>
-            <a:pPr indent="0" lvl="0" marL="0" rtl="0" algn="l">
+            <a:pPr indent="0" lvl="0" marL="0" rtl="0" algn="r">
               <a:spcBef>
                 <a:spcPts val="0"/>
               </a:spcBef>
@@ -7510,22 +7509,6 @@
             <a:r>
               <a:rPr lang="es" sz="2000"/>
               <a:t>Nicolas Cavasin - Legajo #143501</a:t>
-            </a:r>
-            <a:endParaRPr sz="2000"/>
-          </a:p>
-          <a:p>
-            <a:pPr indent="0" lvl="0" marL="0" rtl="0" algn="l">
-              <a:spcBef>
-                <a:spcPts val="0"/>
-              </a:spcBef>
-              <a:spcAft>
-                <a:spcPts val="0"/>
-              </a:spcAft>
-              <a:buNone/>
-            </a:pPr>
-            <a:r>
-              <a:rPr lang="es" sz="2000"/>
-              <a:t>Sofía Vázquez  - Legajo #138224</a:t>
             </a:r>
             <a:endParaRPr sz="2000"/>
           </a:p>
@@ -10535,6 +10518,285 @@
 </file>
 
 <file path=ppt/theme/theme1.xml><?xml version="1.0" encoding="utf-8"?>
+<a:theme xmlns:a="http://schemas.openxmlformats.org/drawingml/2006/main" xmlns:r="http://schemas.openxmlformats.org/officeDocument/2006/relationships" name="Swiss">
+  <a:themeElements>
+    <a:clrScheme name="Swiss">
+      <a:dk1>
+        <a:srgbClr val="F46524"/>
+      </a:dk1>
+      <a:lt1>
+        <a:srgbClr val="FFFFFF"/>
+      </a:lt1>
+      <a:dk2>
+        <a:srgbClr val="000000"/>
+      </a:dk2>
+      <a:lt2>
+        <a:srgbClr val="757575"/>
+      </a:lt2>
+      <a:accent1>
+        <a:srgbClr val="01579B"/>
+      </a:accent1>
+      <a:accent2>
+        <a:srgbClr val="27C7BD"/>
+      </a:accent2>
+      <a:accent3>
+        <a:srgbClr val="0099E8"/>
+      </a:accent3>
+      <a:accent4>
+        <a:srgbClr val="51B9A3"/>
+      </a:accent4>
+      <a:accent5>
+        <a:srgbClr val="FB8C00"/>
+      </a:accent5>
+      <a:accent6>
+        <a:srgbClr val="FFAE88"/>
+      </a:accent6>
+      <a:hlink>
+        <a:srgbClr val="0277BD"/>
+      </a:hlink>
+      <a:folHlink>
+        <a:srgbClr val="0277BD"/>
+      </a:folHlink>
+    </a:clrScheme>
+    <a:fontScheme name="Office">
+      <a:majorFont>
+        <a:latin typeface="Arial"/>
+        <a:ea typeface=""/>
+        <a:cs typeface=""/>
+        <a:font script="Jpan" typeface="ＭＳ Ｐゴシック"/>
+        <a:font script="Hang" typeface="맑은 고딕"/>
+        <a:font script="Hans" typeface="宋体"/>
+        <a:font script="Hant" typeface="新細明體"/>
+        <a:font script="Arab" typeface="Times New Roman"/>
+        <a:font script="Hebr" typeface="Times New Roman"/>
+        <a:font script="Thai" typeface="Angsana New"/>
+        <a:font script="Ethi" typeface="Nyala"/>
+        <a:font script="Beng" typeface="Vrinda"/>
+        <a:font script="Gujr" typeface="Shruti"/>
+        <a:font script="Khmr" typeface="MoolBoran"/>
+        <a:font script="Knda" typeface="Tunga"/>
+        <a:font script="Guru" typeface="Raavi"/>
+        <a:font script="Cans" typeface="Euphemia"/>
+        <a:font script="Cher" typeface="Plantagenet Cherokee"/>
+        <a:font script="Yiii" typeface="Microsoft Yi Baiti"/>
+        <a:font script="Tibt" typeface="Microsoft Himalaya"/>
+        <a:font script="Thaa" typeface="MV Boli"/>
+        <a:font script="Deva" typeface="Mangal"/>
+        <a:font script="Telu" typeface="Gautami"/>
+        <a:font script="Taml" typeface="Latha"/>
+        <a:font script="Syrc" typeface="Estrangelo Edessa"/>
+        <a:font script="Orya" typeface="Kalinga"/>
+        <a:font script="Mlym" typeface="Kartika"/>
+        <a:font script="Laoo" typeface="DokChampa"/>
+        <a:font script="Sinh" typeface="Iskoola Pota"/>
+        <a:font script="Mong" typeface="Mongolian Baiti"/>
+        <a:font script="Viet" typeface="Times New Roman"/>
+        <a:font script="Uigh" typeface="Microsoft Uighur"/>
+        <a:font script="Geor" typeface="Sylfaen"/>
+      </a:majorFont>
+      <a:minorFont>
+        <a:latin typeface="Arial"/>
+        <a:ea typeface=""/>
+        <a:cs typeface=""/>
+        <a:font script="Jpan" typeface="ＭＳ Ｐゴシック"/>
+        <a:font script="Hang" typeface="맑은 고딕"/>
+        <a:font script="Hans" typeface="宋体"/>
+        <a:font script="Hant" typeface="新細明體"/>
+        <a:font script="Arab" typeface="Arial"/>
+        <a:font script="Hebr" typeface="Arial"/>
+        <a:font script="Thai" typeface="Cordia New"/>
+        <a:font script="Ethi" typeface="Nyala"/>
+        <a:font script="Beng" typeface="Vrinda"/>
+        <a:font script="Gujr" typeface="Shruti"/>
+        <a:font script="Khmr" typeface="DaunPenh"/>
+        <a:font script="Knda" typeface="Tunga"/>
+        <a:font script="Guru" typeface="Raavi"/>
+        <a:font script="Cans" typeface="Euphemia"/>
+        <a:font script="Cher" typeface="Plantagenet Cherokee"/>
+        <a:font script="Yiii" typeface="Microsoft Yi Baiti"/>
+        <a:font script="Tibt" typeface="Microsoft Himalaya"/>
+        <a:font script="Thaa" typeface="MV Boli"/>
+        <a:font script="Deva" typeface="Mangal"/>
+        <a:font script="Telu" typeface="Gautami"/>
+        <a:font script="Taml" typeface="Latha"/>
+        <a:font script="Syrc" typeface="Estrangelo Edessa"/>
+        <a:font script="Orya" typeface="Kalinga"/>
+        <a:font script="Mlym" typeface="Kartika"/>
+        <a:font script="Laoo" typeface="DokChampa"/>
+        <a:font script="Sinh" typeface="Iskoola Pota"/>
+        <a:font script="Mong" typeface="Mongolian Baiti"/>
+        <a:font script="Viet" typeface="Arial"/>
+        <a:font script="Uigh" typeface="Microsoft Uighur"/>
+        <a:font script="Geor" typeface="Sylfaen"/>
+      </a:minorFont>
+    </a:fontScheme>
+    <a:fmtScheme name="Office">
+      <a:fillStyleLst>
+        <a:solidFill>
+          <a:schemeClr val="phClr"/>
+        </a:solidFill>
+        <a:gradFill rotWithShape="1">
+          <a:gsLst>
+            <a:gs pos="0">
+              <a:schemeClr val="phClr">
+                <a:tint val="50000"/>
+                <a:satMod val="300000"/>
+              </a:schemeClr>
+            </a:gs>
+            <a:gs pos="35000">
+              <a:schemeClr val="phClr">
+                <a:tint val="37000"/>
+                <a:satMod val="300000"/>
+              </a:schemeClr>
+            </a:gs>
+            <a:gs pos="100000">
+              <a:schemeClr val="phClr">
+                <a:tint val="15000"/>
+                <a:satMod val="350000"/>
+              </a:schemeClr>
+            </a:gs>
+          </a:gsLst>
+          <a:lin ang="16200000" scaled="1"/>
+        </a:gradFill>
+        <a:gradFill rotWithShape="1">
+          <a:gsLst>
+            <a:gs pos="0">
+              <a:schemeClr val="phClr">
+                <a:tint val="100000"/>
+                <a:shade val="100000"/>
+                <a:satMod val="130000"/>
+              </a:schemeClr>
+            </a:gs>
+            <a:gs pos="100000">
+              <a:schemeClr val="phClr">
+                <a:tint val="50000"/>
+                <a:shade val="100000"/>
+                <a:satMod val="350000"/>
+              </a:schemeClr>
+            </a:gs>
+          </a:gsLst>
+          <a:lin ang="16200000" scaled="0"/>
+        </a:gradFill>
+      </a:fillStyleLst>
+      <a:lnStyleLst>
+        <a:ln w="9525" cap="flat" cmpd="sng" algn="ctr">
+          <a:solidFill>
+            <a:schemeClr val="phClr">
+              <a:shade val="95000"/>
+              <a:satMod val="105000"/>
+            </a:schemeClr>
+          </a:solidFill>
+          <a:prstDash val="solid"/>
+        </a:ln>
+        <a:ln w="25400" cap="flat" cmpd="sng" algn="ctr">
+          <a:solidFill>
+            <a:schemeClr val="phClr"/>
+          </a:solidFill>
+          <a:prstDash val="solid"/>
+        </a:ln>
+        <a:ln w="38100" cap="flat" cmpd="sng" algn="ctr">
+          <a:solidFill>
+            <a:schemeClr val="phClr"/>
+          </a:solidFill>
+          <a:prstDash val="solid"/>
+        </a:ln>
+      </a:lnStyleLst>
+      <a:effectStyleLst>
+        <a:effectStyle>
+          <a:effectLst>
+            <a:outerShdw blurRad="40000" dist="20000" dir="5400000" rotWithShape="0">
+              <a:srgbClr val="000000">
+                <a:alpha val="38000"/>
+              </a:srgbClr>
+            </a:outerShdw>
+          </a:effectLst>
+        </a:effectStyle>
+        <a:effectStyle>
+          <a:effectLst>
+            <a:outerShdw blurRad="40000" dist="23000" dir="5400000" rotWithShape="0">
+              <a:srgbClr val="000000">
+                <a:alpha val="35000"/>
+              </a:srgbClr>
+            </a:outerShdw>
+          </a:effectLst>
+        </a:effectStyle>
+        <a:effectStyle>
+          <a:effectLst>
+            <a:outerShdw blurRad="40000" dist="23000" dir="5400000" rotWithShape="0">
+              <a:srgbClr val="000000">
+                <a:alpha val="35000"/>
+              </a:srgbClr>
+            </a:outerShdw>
+          </a:effectLst>
+          <a:scene3d>
+            <a:camera prst="orthographicFront">
+              <a:rot lat="0" lon="0" rev="0"/>
+            </a:camera>
+            <a:lightRig rig="threePt" dir="t">
+              <a:rot lat="0" lon="0" rev="1200000"/>
+            </a:lightRig>
+          </a:scene3d>
+          <a:sp3d>
+            <a:bevelT w="63500" h="25400"/>
+          </a:sp3d>
+        </a:effectStyle>
+      </a:effectStyleLst>
+      <a:bgFillStyleLst>
+        <a:solidFill>
+          <a:schemeClr val="phClr"/>
+        </a:solidFill>
+        <a:gradFill rotWithShape="1">
+          <a:gsLst>
+            <a:gs pos="0">
+              <a:schemeClr val="phClr">
+                <a:tint val="40000"/>
+                <a:satMod val="350000"/>
+              </a:schemeClr>
+            </a:gs>
+            <a:gs pos="40000">
+              <a:schemeClr val="phClr">
+                <a:tint val="45000"/>
+                <a:shade val="99000"/>
+                <a:satMod val="350000"/>
+              </a:schemeClr>
+            </a:gs>
+            <a:gs pos="100000">
+              <a:schemeClr val="phClr">
+                <a:shade val="20000"/>
+                <a:satMod val="255000"/>
+              </a:schemeClr>
+            </a:gs>
+          </a:gsLst>
+          <a:path path="circle">
+            <a:fillToRect l="50000" t="-80000" r="50000" b="180000"/>
+          </a:path>
+        </a:gradFill>
+        <a:gradFill rotWithShape="1">
+          <a:gsLst>
+            <a:gs pos="0">
+              <a:schemeClr val="phClr">
+                <a:tint val="80000"/>
+                <a:satMod val="300000"/>
+              </a:schemeClr>
+            </a:gs>
+            <a:gs pos="100000">
+              <a:schemeClr val="phClr">
+                <a:shade val="30000"/>
+                <a:satMod val="200000"/>
+              </a:schemeClr>
+            </a:gs>
+          </a:gsLst>
+          <a:path path="circle">
+            <a:fillToRect l="50000" t="50000" r="50000" b="50000"/>
+          </a:path>
+        </a:gradFill>
+      </a:bgFillStyleLst>
+    </a:fmtScheme>
+  </a:themeElements>
+</a:theme>
+</file>
+
+<file path=ppt/theme/theme2.xml><?xml version="1.0" encoding="utf-8"?>
 <a:theme xmlns:a="http://schemas.openxmlformats.org/drawingml/2006/main" xmlns:r="http://schemas.openxmlformats.org/officeDocument/2006/relationships">
   <a:themeElements>
     <a:clrScheme name="Default">
@@ -10811,283 +11073,4 @@
     </a:fmtScheme>
   </a:themeElements>
 </a:theme>
-</file>
-
-<file path=ppt/theme/theme2.xml><?xml version="1.0" encoding="utf-8"?>
-<a:theme xmlns:a="http://schemas.openxmlformats.org/drawingml/2006/main" xmlns:r="http://schemas.openxmlformats.org/officeDocument/2006/relationships" name="Swiss">
-  <a:themeElements>
-    <a:clrScheme name="Swiss">
-      <a:dk1>
-        <a:srgbClr val="F46524"/>
-      </a:dk1>
-      <a:lt1>
-        <a:srgbClr val="FFFFFF"/>
-      </a:lt1>
-      <a:dk2>
-        <a:srgbClr val="000000"/>
-      </a:dk2>
-      <a:lt2>
-        <a:srgbClr val="757575"/>
-      </a:lt2>
-      <a:accent1>
-        <a:srgbClr val="01579B"/>
-      </a:accent1>
-      <a:accent2>
-        <a:srgbClr val="27C7BD"/>
-      </a:accent2>
-      <a:accent3>
-        <a:srgbClr val="0099E8"/>
-      </a:accent3>
-      <a:accent4>
-        <a:srgbClr val="51B9A3"/>
-      </a:accent4>
-      <a:accent5>
-        <a:srgbClr val="FB8C00"/>
-      </a:accent5>
-      <a:accent6>
-        <a:srgbClr val="FFAE88"/>
-      </a:accent6>
-      <a:hlink>
-        <a:srgbClr val="0277BD"/>
-      </a:hlink>
-      <a:folHlink>
-        <a:srgbClr val="0277BD"/>
-      </a:folHlink>
-    </a:clrScheme>
-    <a:fontScheme name="Office">
-      <a:majorFont>
-        <a:latin typeface="Arial"/>
-        <a:ea typeface=""/>
-        <a:cs typeface=""/>
-        <a:font script="Jpan" typeface="ＭＳ Ｐゴシック"/>
-        <a:font script="Hang" typeface="맑은 고딕"/>
-        <a:font script="Hans" typeface="宋体"/>
-        <a:font script="Hant" typeface="新細明體"/>
-        <a:font script="Arab" typeface="Times New Roman"/>
-        <a:font script="Hebr" typeface="Times New Roman"/>
-        <a:font script="Thai" typeface="Angsana New"/>
-        <a:font script="Ethi" typeface="Nyala"/>
-        <a:font script="Beng" typeface="Vrinda"/>
-        <a:font script="Gujr" typeface="Shruti"/>
-        <a:font script="Khmr" typeface="MoolBoran"/>
-        <a:font script="Knda" typeface="Tunga"/>
-        <a:font script="Guru" typeface="Raavi"/>
-        <a:font script="Cans" typeface="Euphemia"/>
-        <a:font script="Cher" typeface="Plantagenet Cherokee"/>
-        <a:font script="Yiii" typeface="Microsoft Yi Baiti"/>
-        <a:font script="Tibt" typeface="Microsoft Himalaya"/>
-        <a:font script="Thaa" typeface="MV Boli"/>
-        <a:font script="Deva" typeface="Mangal"/>
-        <a:font script="Telu" typeface="Gautami"/>
-        <a:font script="Taml" typeface="Latha"/>
-        <a:font script="Syrc" typeface="Estrangelo Edessa"/>
-        <a:font script="Orya" typeface="Kalinga"/>
-        <a:font script="Mlym" typeface="Kartika"/>
-        <a:font script="Laoo" typeface="DokChampa"/>
-        <a:font script="Sinh" typeface="Iskoola Pota"/>
-        <a:font script="Mong" typeface="Mongolian Baiti"/>
-        <a:font script="Viet" typeface="Times New Roman"/>
-        <a:font script="Uigh" typeface="Microsoft Uighur"/>
-        <a:font script="Geor" typeface="Sylfaen"/>
-      </a:majorFont>
-      <a:minorFont>
-        <a:latin typeface="Arial"/>
-        <a:ea typeface=""/>
-        <a:cs typeface=""/>
-        <a:font script="Jpan" typeface="ＭＳ Ｐゴシック"/>
-        <a:font script="Hang" typeface="맑은 고딕"/>
-        <a:font script="Hans" typeface="宋体"/>
-        <a:font script="Hant" typeface="新細明體"/>
-        <a:font script="Arab" typeface="Arial"/>
-        <a:font script="Hebr" typeface="Arial"/>
-        <a:font script="Thai" typeface="Cordia New"/>
-        <a:font script="Ethi" typeface="Nyala"/>
-        <a:font script="Beng" typeface="Vrinda"/>
-        <a:font script="Gujr" typeface="Shruti"/>
-        <a:font script="Khmr" typeface="DaunPenh"/>
-        <a:font script="Knda" typeface="Tunga"/>
-        <a:font script="Guru" typeface="Raavi"/>
-        <a:font script="Cans" typeface="Euphemia"/>
-        <a:font script="Cher" typeface="Plantagenet Cherokee"/>
-        <a:font script="Yiii" typeface="Microsoft Yi Baiti"/>
-        <a:font script="Tibt" typeface="Microsoft Himalaya"/>
-        <a:font script="Thaa" typeface="MV Boli"/>
-        <a:font script="Deva" typeface="Mangal"/>
-        <a:font script="Telu" typeface="Gautami"/>
-        <a:font script="Taml" typeface="Latha"/>
-        <a:font script="Syrc" typeface="Estrangelo Edessa"/>
-        <a:font script="Orya" typeface="Kalinga"/>
-        <a:font script="Mlym" typeface="Kartika"/>
-        <a:font script="Laoo" typeface="DokChampa"/>
-        <a:font script="Sinh" typeface="Iskoola Pota"/>
-        <a:font script="Mong" typeface="Mongolian Baiti"/>
-        <a:font script="Viet" typeface="Arial"/>
-        <a:font script="Uigh" typeface="Microsoft Uighur"/>
-        <a:font script="Geor" typeface="Sylfaen"/>
-      </a:minorFont>
-    </a:fontScheme>
-    <a:fmtScheme name="Office">
-      <a:fillStyleLst>
-        <a:solidFill>
-          <a:schemeClr val="phClr"/>
-        </a:solidFill>
-        <a:gradFill rotWithShape="1">
-          <a:gsLst>
-            <a:gs pos="0">
-              <a:schemeClr val="phClr">
-                <a:tint val="50000"/>
-                <a:satMod val="300000"/>
-              </a:schemeClr>
-            </a:gs>
-            <a:gs pos="35000">
-              <a:schemeClr val="phClr">
-                <a:tint val="37000"/>
-                <a:satMod val="300000"/>
-              </a:schemeClr>
-            </a:gs>
-            <a:gs pos="100000">
-              <a:schemeClr val="phClr">
-                <a:tint val="15000"/>
-                <a:satMod val="350000"/>
-              </a:schemeClr>
-            </a:gs>
-          </a:gsLst>
-          <a:lin ang="16200000" scaled="1"/>
-        </a:gradFill>
-        <a:gradFill rotWithShape="1">
-          <a:gsLst>
-            <a:gs pos="0">
-              <a:schemeClr val="phClr">
-                <a:tint val="100000"/>
-                <a:shade val="100000"/>
-                <a:satMod val="130000"/>
-              </a:schemeClr>
-            </a:gs>
-            <a:gs pos="100000">
-              <a:schemeClr val="phClr">
-                <a:tint val="50000"/>
-                <a:shade val="100000"/>
-                <a:satMod val="350000"/>
-              </a:schemeClr>
-            </a:gs>
-          </a:gsLst>
-          <a:lin ang="16200000" scaled="0"/>
-        </a:gradFill>
-      </a:fillStyleLst>
-      <a:lnStyleLst>
-        <a:ln w="9525" cap="flat" cmpd="sng" algn="ctr">
-          <a:solidFill>
-            <a:schemeClr val="phClr">
-              <a:shade val="95000"/>
-              <a:satMod val="105000"/>
-            </a:schemeClr>
-          </a:solidFill>
-          <a:prstDash val="solid"/>
-        </a:ln>
-        <a:ln w="25400" cap="flat" cmpd="sng" algn="ctr">
-          <a:solidFill>
-            <a:schemeClr val="phClr"/>
-          </a:solidFill>
-          <a:prstDash val="solid"/>
-        </a:ln>
-        <a:ln w="38100" cap="flat" cmpd="sng" algn="ctr">
-          <a:solidFill>
-            <a:schemeClr val="phClr"/>
-          </a:solidFill>
-          <a:prstDash val="solid"/>
-        </a:ln>
-      </a:lnStyleLst>
-      <a:effectStyleLst>
-        <a:effectStyle>
-          <a:effectLst>
-            <a:outerShdw blurRad="40000" dist="20000" dir="5400000" rotWithShape="0">
-              <a:srgbClr val="000000">
-                <a:alpha val="38000"/>
-              </a:srgbClr>
-            </a:outerShdw>
-          </a:effectLst>
-        </a:effectStyle>
-        <a:effectStyle>
-          <a:effectLst>
-            <a:outerShdw blurRad="40000" dist="23000" dir="5400000" rotWithShape="0">
-              <a:srgbClr val="000000">
-                <a:alpha val="35000"/>
-              </a:srgbClr>
-            </a:outerShdw>
-          </a:effectLst>
-        </a:effectStyle>
-        <a:effectStyle>
-          <a:effectLst>
-            <a:outerShdw blurRad="40000" dist="23000" dir="5400000" rotWithShape="0">
-              <a:srgbClr val="000000">
-                <a:alpha val="35000"/>
-              </a:srgbClr>
-            </a:outerShdw>
-          </a:effectLst>
-          <a:scene3d>
-            <a:camera prst="orthographicFront">
-              <a:rot lat="0" lon="0" rev="0"/>
-            </a:camera>
-            <a:lightRig rig="threePt" dir="t">
-              <a:rot lat="0" lon="0" rev="1200000"/>
-            </a:lightRig>
-          </a:scene3d>
-          <a:sp3d>
-            <a:bevelT w="63500" h="25400"/>
-          </a:sp3d>
-        </a:effectStyle>
-      </a:effectStyleLst>
-      <a:bgFillStyleLst>
-        <a:solidFill>
-          <a:schemeClr val="phClr"/>
-        </a:solidFill>
-        <a:gradFill rotWithShape="1">
-          <a:gsLst>
-            <a:gs pos="0">
-              <a:schemeClr val="phClr">
-                <a:tint val="40000"/>
-                <a:satMod val="350000"/>
-              </a:schemeClr>
-            </a:gs>
-            <a:gs pos="40000">
-              <a:schemeClr val="phClr">
-                <a:tint val="45000"/>
-                <a:shade val="99000"/>
-                <a:satMod val="350000"/>
-              </a:schemeClr>
-            </a:gs>
-            <a:gs pos="100000">
-              <a:schemeClr val="phClr">
-                <a:shade val="20000"/>
-                <a:satMod val="255000"/>
-              </a:schemeClr>
-            </a:gs>
-          </a:gsLst>
-          <a:path path="circle">
-            <a:fillToRect l="50000" t="-80000" r="50000" b="180000"/>
-          </a:path>
-        </a:gradFill>
-        <a:gradFill rotWithShape="1">
-          <a:gsLst>
-            <a:gs pos="0">
-              <a:schemeClr val="phClr">
-                <a:tint val="80000"/>
-                <a:satMod val="300000"/>
-              </a:schemeClr>
-            </a:gs>
-            <a:gs pos="100000">
-              <a:schemeClr val="phClr">
-                <a:shade val="30000"/>
-                <a:satMod val="200000"/>
-              </a:schemeClr>
-            </a:gs>
-          </a:gsLst>
-          <a:path path="circle">
-            <a:fillToRect l="50000" t="50000" r="50000" b="50000"/>
-          </a:path>
-        </a:gradFill>
-      </a:bgFillStyleLst>
-    </a:fmtScheme>
-  </a:themeElements>
-</a:theme>
 </file>
--- a/tp07-integrador/entrega_2/presentacion/compilador_presentacion.pptx
+++ b/tp07-integrador/entrega_2/presentacion/compilador_presentacion.pptx
@@ -8247,7 +8247,7 @@
               <a:buNone/>
             </a:pPr>
             <a:r>
-              <a:rPr b="0" lang="es" sz="1300">
+              <a:rPr lang="es" sz="1300">
                 <a:solidFill>
                   <a:srgbClr val="000000"/>
                 </a:solidFill>
@@ -8258,7 +8258,7 @@
               </a:rPr>
               <a:t>&lt;programa&gt; ::= &lt;declaraciones&gt; BEGIN_PROGRAM &lt;lista_sentencias&gt; END_PROGRAM </a:t>
             </a:r>
-            <a:endParaRPr b="0" sz="1300">
+            <a:endParaRPr sz="1300">
               <a:solidFill>
                 <a:srgbClr val="000000"/>
               </a:solidFill>
@@ -8282,7 +8282,7 @@
               <a:buNone/>
             </a:pPr>
             <a:r>
-              <a:rPr b="0" lang="es" sz="1300">
+              <a:rPr lang="es" sz="1300">
                 <a:solidFill>
                   <a:srgbClr val="000000"/>
                 </a:solidFill>
@@ -8293,7 +8293,7 @@
               </a:rPr>
               <a:t>| BEGIN_PROGRAM &lt;funcion_print&gt; END_PROGRAM</a:t>
             </a:r>
-            <a:endParaRPr b="0" sz="1300">
+            <a:endParaRPr sz="1300">
               <a:solidFill>
                 <a:srgbClr val="000000"/>
               </a:solidFill>
@@ -8319,7 +8319,7 @@
             <a:r>
               <a:t/>
             </a:r>
-            <a:endParaRPr b="0" sz="1300">
+            <a:endParaRPr sz="1300">
               <a:solidFill>
                 <a:srgbClr val="000000"/>
               </a:solidFill>
@@ -8343,7 +8343,7 @@
               <a:buNone/>
             </a:pPr>
             <a:r>
-              <a:rPr b="0" lang="es" sz="1300">
+              <a:rPr lang="es" sz="1300">
                 <a:solidFill>
                   <a:srgbClr val="000000"/>
                 </a:solidFill>
@@ -8354,7 +8354,7 @@
               </a:rPr>
               <a:t>&lt;declaraciones&gt; ::= DECLARE &lt;lista_declaraciones&gt; ENDDECLARE</a:t>
             </a:r>
-            <a:endParaRPr b="0" sz="1300">
+            <a:endParaRPr sz="1300">
               <a:solidFill>
                 <a:srgbClr val="000000"/>
               </a:solidFill>
@@ -8380,7 +8380,7 @@
             <a:r>
               <a:t/>
             </a:r>
-            <a:endParaRPr b="0" sz="1300">
+            <a:endParaRPr sz="1300">
               <a:solidFill>
                 <a:srgbClr val="000000"/>
               </a:solidFill>
@@ -8404,7 +8404,7 @@
               <a:buNone/>
             </a:pPr>
             <a:r>
-              <a:rPr b="0" lang="es" sz="1300">
+              <a:rPr lang="es" sz="1300">
                 <a:solidFill>
                   <a:srgbClr val="000000"/>
                 </a:solidFill>
@@ -8415,7 +8415,7 @@
               </a:rPr>
               <a:t>&lt;lista_declaraciones&gt; ::= &lt;lista_declaraciones&gt; &lt;linea_declaracion&gt; </a:t>
             </a:r>
-            <a:endParaRPr b="0" sz="1300">
+            <a:endParaRPr sz="1300">
               <a:solidFill>
                 <a:srgbClr val="000000"/>
               </a:solidFill>
@@ -8439,7 +8439,7 @@
               <a:buNone/>
             </a:pPr>
             <a:r>
-              <a:rPr b="0" lang="es" sz="1300">
+              <a:rPr lang="es" sz="1300">
                 <a:solidFill>
                   <a:srgbClr val="000000"/>
                 </a:solidFill>
@@ -8450,7 +8450,7 @@
               </a:rPr>
               <a:t>    	 | &lt;linea_declaracion&gt;</a:t>
             </a:r>
-            <a:endParaRPr b="0" sz="1300">
+            <a:endParaRPr sz="1300">
               <a:solidFill>
                 <a:srgbClr val="000000"/>
               </a:solidFill>
@@ -8476,7 +8476,7 @@
             <a:r>
               <a:t/>
             </a:r>
-            <a:endParaRPr b="0" sz="1300">
+            <a:endParaRPr sz="1300">
               <a:solidFill>
                 <a:srgbClr val="000000"/>
               </a:solidFill>
@@ -8500,7 +8500,7 @@
               <a:buNone/>
             </a:pPr>
             <a:r>
-              <a:rPr b="0" lang="es" sz="1300">
+              <a:rPr lang="es" sz="1300">
                 <a:solidFill>
                   <a:srgbClr val="000000"/>
                 </a:solidFill>
@@ -8511,7 +8511,7 @@
               </a:rPr>
               <a:t>&lt;linea_declaracion&gt; ::= COR_ABRE &lt;declaracion&gt; COR_CIERRA</a:t>
             </a:r>
-            <a:endParaRPr b="0" sz="1300">
+            <a:endParaRPr sz="1300">
               <a:solidFill>
                 <a:srgbClr val="000000"/>
               </a:solidFill>
@@ -8537,7 +8537,7 @@
             <a:r>
               <a:t/>
             </a:r>
-            <a:endParaRPr b="0" sz="1300">
+            <a:endParaRPr sz="1300">
               <a:solidFill>
                 <a:srgbClr val="000000"/>
               </a:solidFill>
@@ -8561,7 +8561,7 @@
               <a:buNone/>
             </a:pPr>
             <a:r>
-              <a:rPr b="0" lang="es" sz="1300">
+              <a:rPr lang="es" sz="1300">
                 <a:solidFill>
                   <a:srgbClr val="000000"/>
                 </a:solidFill>
@@ -8572,7 +8572,7 @@
               </a:rPr>
               <a:t>&lt;declaracion&gt; ::=  ID COMA &lt;declaracion&gt; COMA &lt;tipo&gt; </a:t>
             </a:r>
-            <a:endParaRPr b="0" sz="1300">
+            <a:endParaRPr sz="1300">
               <a:solidFill>
                 <a:srgbClr val="000000"/>
               </a:solidFill>
@@ -8596,7 +8596,7 @@
               <a:buNone/>
             </a:pPr>
             <a:r>
-              <a:rPr b="0" lang="es" sz="1300">
+              <a:rPr lang="es" sz="1300">
                 <a:solidFill>
                   <a:srgbClr val="000000"/>
                 </a:solidFill>
@@ -8607,7 +8607,7 @@
               </a:rPr>
               <a:t>   | ID COR_CIERRA ASIGNA COR_ABRE &lt;tipo&gt;</a:t>
             </a:r>
-            <a:endParaRPr b="0" sz="1300">
+            <a:endParaRPr sz="1300">
               <a:solidFill>
                 <a:srgbClr val="000000"/>
               </a:solidFill>
@@ -8633,7 +8633,7 @@
             <a:r>
               <a:t/>
             </a:r>
-            <a:endParaRPr b="0" sz="1300">
+            <a:endParaRPr sz="1300">
               <a:solidFill>
                 <a:srgbClr val="000000"/>
               </a:solidFill>
@@ -8657,7 +8657,7 @@
               <a:buNone/>
             </a:pPr>
             <a:r>
-              <a:rPr b="0" lang="es" sz="1300">
+              <a:rPr lang="es" sz="1300">
                 <a:solidFill>
                   <a:srgbClr val="000000"/>
                 </a:solidFill>
@@ -8668,7 +8668,7 @@
               </a:rPr>
               <a:t>&lt;tipo&gt; ::= INT | FLOAT | STRING</a:t>
             </a:r>
-            <a:endParaRPr b="0" sz="1300">
+            <a:endParaRPr sz="1300">
               <a:solidFill>
                 <a:srgbClr val="000000"/>
               </a:solidFill>
@@ -8797,7 +8797,7 @@
               <a:buNone/>
             </a:pPr>
             <a:r>
-              <a:rPr b="0" lang="es" sz="1300">
+              <a:rPr lang="es" sz="1300">
                 <a:solidFill>
                   <a:srgbClr val="000000"/>
                 </a:solidFill>
@@ -8808,7 +8808,7 @@
               </a:rPr>
               <a:t>&lt;lista_sentencias&gt; ::= &lt;lista_sentencias&gt; &lt;sentencia&gt; | &lt;sentencia&gt;</a:t>
             </a:r>
-            <a:endParaRPr b="0" sz="1300">
+            <a:endParaRPr sz="1300">
               <a:solidFill>
                 <a:srgbClr val="000000"/>
               </a:solidFill>
@@ -8834,7 +8834,7 @@
             <a:r>
               <a:t/>
             </a:r>
-            <a:endParaRPr b="0" sz="1300">
+            <a:endParaRPr sz="1300">
               <a:solidFill>
                 <a:srgbClr val="000000"/>
               </a:solidFill>
@@ -8858,7 +8858,7 @@
               <a:buNone/>
             </a:pPr>
             <a:r>
-              <a:rPr b="0" lang="es" sz="1300">
+              <a:rPr lang="es" sz="1300">
                 <a:solidFill>
                   <a:srgbClr val="000000"/>
                 </a:solidFill>
@@ -8869,7 +8869,7 @@
               </a:rPr>
               <a:t>&lt;sentencia&gt; ::= &lt;asignacion&gt; | &lt;funcion_print&gt; | &lt;funcion_if&gt; </a:t>
             </a:r>
-            <a:endParaRPr b="0" sz="1300">
+            <a:endParaRPr sz="1300">
               <a:solidFill>
                 <a:srgbClr val="000000"/>
               </a:solidFill>
@@ -8893,7 +8893,7 @@
               <a:buNone/>
             </a:pPr>
             <a:r>
-              <a:rPr b="0" lang="es" sz="1300">
+              <a:rPr lang="es" sz="1300">
                 <a:solidFill>
                   <a:srgbClr val="000000"/>
                 </a:solidFill>
@@ -8904,7 +8904,7 @@
               </a:rPr>
               <a:t>| &lt;funcion_while&gt;</a:t>
             </a:r>
-            <a:endParaRPr b="0" sz="1300">
+            <a:endParaRPr sz="1300">
               <a:solidFill>
                 <a:srgbClr val="000000"/>
               </a:solidFill>
@@ -8930,7 +8930,7 @@
             <a:r>
               <a:t/>
             </a:r>
-            <a:endParaRPr b="0" sz="1300">
+            <a:endParaRPr sz="1300">
               <a:solidFill>
                 <a:srgbClr val="000000"/>
               </a:solidFill>
@@ -8954,7 +8954,7 @@
               <a:buNone/>
             </a:pPr>
             <a:r>
-              <a:rPr b="0" lang="es" sz="1300">
+              <a:rPr lang="es" sz="1300">
                 <a:solidFill>
                   <a:srgbClr val="000000"/>
                 </a:solidFill>
@@ -8965,7 +8965,7 @@
               </a:rPr>
               <a:t>&lt;asignacion&gt; ::= ID ASIGNA &lt;expresion&gt;</a:t>
             </a:r>
-            <a:endParaRPr b="0" sz="1300">
+            <a:endParaRPr sz="1300">
               <a:solidFill>
                 <a:srgbClr val="000000"/>
               </a:solidFill>
@@ -8991,7 +8991,7 @@
             <a:r>
               <a:t/>
             </a:r>
-            <a:endParaRPr b="0" sz="1300">
+            <a:endParaRPr sz="1300">
               <a:solidFill>
                 <a:srgbClr val="000000"/>
               </a:solidFill>
@@ -9015,7 +9015,7 @@
               <a:buNone/>
             </a:pPr>
             <a:r>
-              <a:rPr b="0" lang="es" sz="1300">
+              <a:rPr lang="es" sz="1300">
                 <a:solidFill>
                   <a:srgbClr val="000000"/>
                 </a:solidFill>
@@ -9026,7 +9026,7 @@
               </a:rPr>
               <a:t>&lt;expresion&gt; ::= &lt;expresion&gt; SUMA &lt;termino&gt; | &lt;expresion&gt; RESTA &lt;termino&gt; </a:t>
             </a:r>
-            <a:endParaRPr b="0" sz="1300">
+            <a:endParaRPr sz="1300">
               <a:solidFill>
                 <a:srgbClr val="000000"/>
               </a:solidFill>
@@ -9050,7 +9050,7 @@
               <a:buNone/>
             </a:pPr>
             <a:r>
-              <a:rPr b="0" lang="es" sz="1300">
+              <a:rPr lang="es" sz="1300">
                 <a:solidFill>
                   <a:srgbClr val="000000"/>
                 </a:solidFill>
@@ -9061,7 +9061,7 @@
               </a:rPr>
               <a:t>| &lt;termino&gt;</a:t>
             </a:r>
-            <a:endParaRPr b="0" sz="1300">
+            <a:endParaRPr sz="1300">
               <a:solidFill>
                 <a:srgbClr val="000000"/>
               </a:solidFill>
@@ -9087,7 +9087,7 @@
             <a:r>
               <a:t/>
             </a:r>
-            <a:endParaRPr b="0" sz="1300">
+            <a:endParaRPr sz="1300">
               <a:solidFill>
                 <a:srgbClr val="000000"/>
               </a:solidFill>
@@ -9111,7 +9111,7 @@
               <a:buNone/>
             </a:pPr>
             <a:r>
-              <a:rPr b="0" lang="es" sz="1300">
+              <a:rPr lang="es" sz="1300">
                 <a:solidFill>
                   <a:srgbClr val="000000"/>
                 </a:solidFill>
@@ -9122,7 +9122,7 @@
               </a:rPr>
               <a:t>&lt;termino&gt; ::= &lt;termino&gt; MULTIPLICA &lt;factor&gt; | &lt;termino&gt; DIVIDE &lt;factor&gt; </a:t>
             </a:r>
-            <a:endParaRPr b="0" sz="1300">
+            <a:endParaRPr sz="1300">
               <a:solidFill>
                 <a:srgbClr val="000000"/>
               </a:solidFill>
@@ -9146,7 +9146,7 @@
               <a:buNone/>
             </a:pPr>
             <a:r>
-              <a:rPr b="0" lang="es" sz="1300">
+              <a:rPr lang="es" sz="1300">
                 <a:solidFill>
                   <a:srgbClr val="000000"/>
                 </a:solidFill>
@@ -9157,7 +9157,7 @@
               </a:rPr>
               <a:t>   | &lt;factor&gt;</a:t>
             </a:r>
-            <a:endParaRPr b="0" sz="1300">
+            <a:endParaRPr sz="1300">
               <a:solidFill>
                 <a:srgbClr val="000000"/>
               </a:solidFill>
@@ -9183,7 +9183,7 @@
             <a:r>
               <a:t/>
             </a:r>
-            <a:endParaRPr b="0" sz="1300">
+            <a:endParaRPr sz="1300">
               <a:solidFill>
                 <a:srgbClr val="000000"/>
               </a:solidFill>
@@ -9207,7 +9207,7 @@
               <a:buNone/>
             </a:pPr>
             <a:r>
-              <a:rPr b="0" lang="es" sz="1300">
+              <a:rPr lang="es" sz="1300">
                 <a:solidFill>
                   <a:srgbClr val="000000"/>
                 </a:solidFill>
@@ -9216,11 +9216,23 @@
                 <a:cs typeface="Roboto Mono"/>
                 <a:sym typeface="Roboto Mono"/>
               </a:rPr>
-              <a:t>&lt;factor&gt; ::= ID | CTE_INT | CTE_FLOAT | CTE_STRING </a:t>
+              <a:t>&lt;factor&gt; ::= ID | CTE_INT | CTE_FLOAT | </a:t>
             </a:r>
-            <a:endParaRPr b="0" sz="1300">
+            <a:r>
+              <a:rPr lang="es" sz="1300">
+                <a:solidFill>
+                  <a:srgbClr val="FF0000"/>
+                </a:solidFill>
+                <a:latin typeface="Roboto Mono"/>
+                <a:ea typeface="Roboto Mono"/>
+                <a:cs typeface="Roboto Mono"/>
+                <a:sym typeface="Roboto Mono"/>
+              </a:rPr>
+              <a:t>CTE_STRING </a:t>
+            </a:r>
+            <a:endParaRPr sz="1300">
               <a:solidFill>
-                <a:srgbClr val="000000"/>
+                <a:srgbClr val="FF0000"/>
               </a:solidFill>
               <a:latin typeface="Roboto Mono"/>
               <a:ea typeface="Roboto Mono"/>
@@ -9242,7 +9254,7 @@
               <a:buNone/>
             </a:pPr>
             <a:r>
-              <a:rPr b="0" lang="es" sz="1300">
+              <a:rPr lang="es" sz="1300">
                 <a:solidFill>
                   <a:srgbClr val="000000"/>
                 </a:solidFill>
@@ -9253,7 +9265,7 @@
               </a:rPr>
               <a:t>  | PAR_ABRE &lt;expresion&gt; PAR_CIERRA | &lt;funcion_take&gt;</a:t>
             </a:r>
-            <a:endParaRPr b="0" sz="1300">
+            <a:endParaRPr sz="1300">
               <a:solidFill>
                 <a:srgbClr val="000000"/>
               </a:solidFill>
@@ -9379,7 +9391,7 @@
               <a:buNone/>
             </a:pPr>
             <a:r>
-              <a:rPr b="0" lang="es" sz="1300">
+              <a:rPr lang="es" sz="1300">
                 <a:latin typeface="Roboto Mono"/>
                 <a:ea typeface="Roboto Mono"/>
                 <a:cs typeface="Roboto Mono"/>
@@ -9387,7 +9399,7 @@
               </a:rPr>
               <a:t>&lt;funcion_take&gt; ::= TAKE PAR_ABRE &lt;op_num&gt; PUNTO_COMA CTE_INT PUNTO_COMA </a:t>
             </a:r>
-            <a:endParaRPr b="0" sz="1300">
+            <a:endParaRPr sz="1300">
               <a:latin typeface="Roboto Mono"/>
               <a:ea typeface="Roboto Mono"/>
               <a:cs typeface="Roboto Mono"/>
@@ -9405,7 +9417,7 @@
               <a:buNone/>
             </a:pPr>
             <a:r>
-              <a:rPr b="0" lang="es" sz="1300">
+              <a:rPr lang="es" sz="1300">
                 <a:latin typeface="Roboto Mono"/>
                 <a:ea typeface="Roboto Mono"/>
                 <a:cs typeface="Roboto Mono"/>
@@ -9413,7 +9425,7 @@
               </a:rPr>
               <a:t> 				 COR_ABRE &lt;lista_take&gt; COR_CIERRA PAR_CIERRA </a:t>
             </a:r>
-            <a:endParaRPr b="0" sz="1300">
+            <a:endParaRPr sz="1300">
               <a:latin typeface="Roboto Mono"/>
               <a:ea typeface="Roboto Mono"/>
               <a:cs typeface="Roboto Mono"/>
@@ -9431,7 +9443,7 @@
               <a:buNone/>
             </a:pPr>
             <a:r>
-              <a:rPr b="0" lang="es" sz="1300">
+              <a:rPr lang="es" sz="1300">
                 <a:latin typeface="Roboto Mono"/>
                 <a:ea typeface="Roboto Mono"/>
                 <a:cs typeface="Roboto Mono"/>
@@ -9439,7 +9451,7 @@
               </a:rPr>
               <a:t>   | TAKE PAR_ABRE &lt;op_num&gt; PUNTO_COMA CTE_INT PUNTO_COMA </a:t>
             </a:r>
-            <a:endParaRPr b="0" sz="1300">
+            <a:endParaRPr sz="1300">
               <a:latin typeface="Roboto Mono"/>
               <a:ea typeface="Roboto Mono"/>
               <a:cs typeface="Roboto Mono"/>
@@ -9462,7 +9474,7 @@
               <a:buNone/>
             </a:pPr>
             <a:r>
-              <a:rPr b="0" lang="es" sz="1300">
+              <a:rPr lang="es" sz="1300">
                 <a:latin typeface="Roboto Mono"/>
                 <a:ea typeface="Roboto Mono"/>
                 <a:cs typeface="Roboto Mono"/>
@@ -9470,7 +9482,7 @@
               </a:rPr>
               <a:t> COR_ABRE COR_CIERRA PAR_CIERRA</a:t>
             </a:r>
-            <a:endParaRPr b="0" sz="1300">
+            <a:endParaRPr sz="1300">
               <a:latin typeface="Roboto Mono"/>
               <a:ea typeface="Roboto Mono"/>
               <a:cs typeface="Roboto Mono"/>
@@ -9493,7 +9505,7 @@
               <a:buNone/>
             </a:pPr>
             <a:r>
-              <a:rPr b="0" lang="es" sz="1300">
+              <a:rPr lang="es" sz="1300">
                 <a:latin typeface="Roboto Mono"/>
                 <a:ea typeface="Roboto Mono"/>
                 <a:cs typeface="Roboto Mono"/>
@@ -9501,7 +9513,7 @@
               </a:rPr>
               <a:t>   				 </a:t>
             </a:r>
-            <a:endParaRPr b="0" sz="1300">
+            <a:endParaRPr sz="1300">
               <a:latin typeface="Roboto Mono"/>
               <a:ea typeface="Roboto Mono"/>
               <a:cs typeface="Roboto Mono"/>
@@ -9524,7 +9536,7 @@
               <a:buNone/>
             </a:pPr>
             <a:r>
-              <a:rPr b="0" lang="es" sz="1300">
+              <a:rPr lang="es" sz="1300">
                 <a:latin typeface="Roboto Mono"/>
                 <a:ea typeface="Roboto Mono"/>
                 <a:cs typeface="Roboto Mono"/>
@@ -9532,7 +9544,7 @@
               </a:rPr>
               <a:t>&lt;op_sum&gt; ::= SUMA | RESTA | DIVIDE | MULTIPLICA</a:t>
             </a:r>
-            <a:endParaRPr b="0" sz="1300">
+            <a:endParaRPr sz="1300">
               <a:latin typeface="Roboto Mono"/>
               <a:ea typeface="Roboto Mono"/>
               <a:cs typeface="Roboto Mono"/>
@@ -9557,7 +9569,7 @@
             <a:r>
               <a:t/>
             </a:r>
-            <a:endParaRPr b="0" sz="1300">
+            <a:endParaRPr sz="1300">
               <a:latin typeface="Roboto Mono"/>
               <a:ea typeface="Roboto Mono"/>
               <a:cs typeface="Roboto Mono"/>
@@ -9580,7 +9592,7 @@
               <a:buNone/>
             </a:pPr>
             <a:r>
-              <a:rPr b="0" lang="es" sz="1300">
+              <a:rPr lang="es" sz="1300">
                 <a:latin typeface="Roboto Mono"/>
                 <a:ea typeface="Roboto Mono"/>
                 <a:cs typeface="Roboto Mono"/>
@@ -9588,7 +9600,7 @@
               </a:rPr>
               <a:t>&lt;lista_take&gt; ::= &lt;lista_take&gt; PUNTO_COMA CTE_INT | CTE_INT</a:t>
             </a:r>
-            <a:endParaRPr b="0" sz="1300">
+            <a:endParaRPr sz="1300">
               <a:latin typeface="Roboto Mono"/>
               <a:ea typeface="Roboto Mono"/>
               <a:cs typeface="Roboto Mono"/>
@@ -9613,7 +9625,7 @@
             <a:r>
               <a:t/>
             </a:r>
-            <a:endParaRPr b="0" sz="1300">
+            <a:endParaRPr sz="1300">
               <a:latin typeface="Roboto Mono"/>
               <a:ea typeface="Roboto Mono"/>
               <a:cs typeface="Roboto Mono"/>
@@ -9636,7 +9648,7 @@
               <a:buNone/>
             </a:pPr>
             <a:r>
-              <a:rPr b="0" lang="es" sz="1300">
+              <a:rPr lang="es" sz="1300">
                 <a:latin typeface="Roboto Mono"/>
                 <a:ea typeface="Roboto Mono"/>
                 <a:cs typeface="Roboto Mono"/>
@@ -9644,7 +9656,7 @@
               </a:rPr>
               <a:t>&lt;funcion_print&gt; ::= PRINT CTE_STRING</a:t>
             </a:r>
-            <a:endParaRPr b="0" sz="1300">
+            <a:endParaRPr sz="1300">
               <a:latin typeface="Roboto Mono"/>
               <a:ea typeface="Roboto Mono"/>
               <a:cs typeface="Roboto Mono"/>
@@ -9669,7 +9681,7 @@
             <a:r>
               <a:t/>
             </a:r>
-            <a:endParaRPr b="0" sz="1300">
+            <a:endParaRPr sz="1300">
               <a:latin typeface="Roboto Mono"/>
               <a:ea typeface="Roboto Mono"/>
               <a:cs typeface="Roboto Mono"/>
@@ -9692,7 +9704,7 @@
               <a:buNone/>
             </a:pPr>
             <a:r>
-              <a:rPr b="0" lang="es" sz="1300">
+              <a:rPr lang="es" sz="1300">
                 <a:latin typeface="Roboto Mono"/>
                 <a:ea typeface="Roboto Mono"/>
                 <a:cs typeface="Roboto Mono"/>
@@ -9700,7 +9712,7 @@
               </a:rPr>
               <a:t>&lt;funcion_if&gt; ::= IF PAR_ABRE &lt;condicion&gt; PAR_CIERRA &lt;bloque&gt; </a:t>
             </a:r>
-            <a:endParaRPr b="0" sz="1300">
+            <a:endParaRPr sz="1300">
               <a:latin typeface="Roboto Mono"/>
               <a:ea typeface="Roboto Mono"/>
               <a:cs typeface="Roboto Mono"/>
@@ -9723,7 +9735,7 @@
               <a:buNone/>
             </a:pPr>
             <a:r>
-              <a:rPr b="0" lang="es" sz="1300">
+              <a:rPr lang="es" sz="1300">
                 <a:latin typeface="Roboto Mono"/>
                 <a:ea typeface="Roboto Mono"/>
                 <a:cs typeface="Roboto Mono"/>
@@ -9731,7 +9743,7 @@
               </a:rPr>
               <a:t> | IF PAR_ABRE &lt;condicion&gt; PAR_CIERRA &lt;bloque&gt; ELSE &lt;bloque&gt;</a:t>
             </a:r>
-            <a:endParaRPr b="0" sz="1300">
+            <a:endParaRPr sz="1300">
               <a:latin typeface="Roboto Mono"/>
               <a:ea typeface="Roboto Mono"/>
               <a:cs typeface="Roboto Mono"/>
@@ -9756,7 +9768,7 @@
             <a:r>
               <a:t/>
             </a:r>
-            <a:endParaRPr b="0" sz="1300">
+            <a:endParaRPr sz="1300">
               <a:latin typeface="Roboto Mono"/>
               <a:ea typeface="Roboto Mono"/>
               <a:cs typeface="Roboto Mono"/>
@@ -9779,7 +9791,7 @@
               <a:buNone/>
             </a:pPr>
             <a:r>
-              <a:rPr b="0" lang="es" sz="1300">
+              <a:rPr lang="es" sz="1300">
                 <a:latin typeface="Roboto Mono"/>
                 <a:ea typeface="Roboto Mono"/>
                 <a:cs typeface="Roboto Mono"/>
@@ -9787,7 +9799,7 @@
               </a:rPr>
               <a:t>&lt;funcion_while&gt; ::= WHILE PAR_ABRE &lt;condicion&gt; PAR_CIERRA &lt;bloque&gt;</a:t>
             </a:r>
-            <a:endParaRPr b="0" sz="1300">
+            <a:endParaRPr sz="1300">
               <a:latin typeface="Roboto Mono"/>
               <a:ea typeface="Roboto Mono"/>
               <a:cs typeface="Roboto Mono"/>
@@ -9810,7 +9822,7 @@
             <a:r>
               <a:t/>
             </a:r>
-            <a:endParaRPr b="0" sz="1300">
+            <a:endParaRPr sz="1300">
               <a:latin typeface="Roboto Mono"/>
               <a:ea typeface="Roboto Mono"/>
               <a:cs typeface="Roboto Mono"/>
@@ -9936,7 +9948,7 @@
               <a:buNone/>
             </a:pPr>
             <a:r>
-              <a:rPr b="0" lang="es" sz="1300">
+              <a:rPr lang="es" sz="1300">
                 <a:solidFill>
                   <a:srgbClr val="000000"/>
                 </a:solidFill>
@@ -9945,9 +9957,91 @@
                 <a:cs typeface="Roboto Mono"/>
                 <a:sym typeface="Roboto Mono"/>
               </a:rPr>
-              <a:t>&lt;condicion&gt; ::= PAR_ABRE &lt;condicion&gt; PAR_CIERRA &lt;op_bin&gt; PAR_ABRE &lt;condicion&gt;    </a:t>
+              <a:t>&lt;condicion&gt; ::= </a:t>
             </a:r>
-            <a:endParaRPr b="0" sz="1300">
+            <a:r>
+              <a:rPr lang="es" sz="1300">
+                <a:solidFill>
+                  <a:srgbClr val="FF0000"/>
+                </a:solidFill>
+                <a:latin typeface="Roboto Mono"/>
+                <a:ea typeface="Roboto Mono"/>
+                <a:cs typeface="Roboto Mono"/>
+                <a:sym typeface="Roboto Mono"/>
+              </a:rPr>
+              <a:t>PAR_ABRE &lt;condicion&gt; PAR_CIERRA &lt;op_bin&gt; PAR_ABRE &lt;condicion&gt;    </a:t>
+            </a:r>
+            <a:endParaRPr sz="1300">
+              <a:solidFill>
+                <a:srgbClr val="FF0000"/>
+              </a:solidFill>
+              <a:latin typeface="Roboto Mono"/>
+              <a:ea typeface="Roboto Mono"/>
+              <a:cs typeface="Roboto Mono"/>
+              <a:sym typeface="Roboto Mono"/>
+            </a:endParaRPr>
+          </a:p>
+          <a:p>
+            <a:pPr indent="457200" lvl="0" marL="914400" rtl="0" algn="l">
+              <a:lnSpc>
+                <a:spcPct val="100000"/>
+              </a:lnSpc>
+              <a:spcBef>
+                <a:spcPts val="0"/>
+              </a:spcBef>
+              <a:spcAft>
+                <a:spcPts val="0"/>
+              </a:spcAft>
+              <a:buNone/>
+            </a:pPr>
+            <a:r>
+              <a:rPr lang="es" sz="1300">
+                <a:solidFill>
+                  <a:srgbClr val="FF0000"/>
+                </a:solidFill>
+                <a:latin typeface="Roboto Mono"/>
+                <a:ea typeface="Roboto Mono"/>
+                <a:cs typeface="Roboto Mono"/>
+                <a:sym typeface="Roboto Mono"/>
+              </a:rPr>
+              <a:t>  PAR_CIERRA</a:t>
+            </a:r>
+            <a:endParaRPr sz="1300">
+              <a:solidFill>
+                <a:srgbClr val="FF0000"/>
+              </a:solidFill>
+              <a:latin typeface="Roboto Mono"/>
+              <a:ea typeface="Roboto Mono"/>
+              <a:cs typeface="Roboto Mono"/>
+              <a:sym typeface="Roboto Mono"/>
+            </a:endParaRPr>
+          </a:p>
+          <a:p>
+            <a:pPr indent="0" lvl="0" marL="914400" rtl="0" algn="l">
+              <a:lnSpc>
+                <a:spcPct val="100000"/>
+              </a:lnSpc>
+              <a:spcBef>
+                <a:spcPts val="0"/>
+              </a:spcBef>
+              <a:spcAft>
+                <a:spcPts val="0"/>
+              </a:spcAft>
+              <a:buNone/>
+            </a:pPr>
+            <a:r>
+              <a:rPr lang="es" sz="1300">
+                <a:solidFill>
+                  <a:srgbClr val="000000"/>
+                </a:solidFill>
+                <a:latin typeface="Roboto Mono"/>
+                <a:ea typeface="Roboto Mono"/>
+                <a:cs typeface="Roboto Mono"/>
+                <a:sym typeface="Roboto Mono"/>
+              </a:rPr>
+              <a:t>| PAR_ABRE &lt;condicion&gt; PAR_CIERRA &lt;op_logico&gt; PAR_ABRE &lt;condicion&gt;   </a:t>
+            </a:r>
+            <a:endParaRPr sz="1300">
               <a:solidFill>
                 <a:srgbClr val="000000"/>
               </a:solidFill>
@@ -9958,7 +10052,7 @@
             </a:endParaRPr>
           </a:p>
           <a:p>
-            <a:pPr indent="457200" lvl="0" marL="914400" rtl="0" algn="l">
+            <a:pPr indent="0" lvl="0" marL="914400" rtl="0" algn="l">
               <a:lnSpc>
                 <a:spcPct val="100000"/>
               </a:lnSpc>
@@ -9968,10 +10062,15 @@
               <a:spcAft>
                 <a:spcPts val="0"/>
               </a:spcAft>
+              <a:buClr>
+                <a:schemeClr val="dk2"/>
+              </a:buClr>
+              <a:buSzPts val="1100"/>
+              <a:buFont typeface="Arial"/>
               <a:buNone/>
             </a:pPr>
             <a:r>
-              <a:rPr b="0" lang="es" sz="1300">
+              <a:rPr lang="es" sz="1300">
                 <a:solidFill>
                   <a:srgbClr val="000000"/>
                 </a:solidFill>
@@ -9982,7 +10081,7 @@
               </a:rPr>
               <a:t>  PAR_CIERRA</a:t>
             </a:r>
-            <a:endParaRPr b="0" sz="1300">
+            <a:endParaRPr sz="1300">
               <a:solidFill>
                 <a:srgbClr val="000000"/>
               </a:solidFill>
@@ -9993,7 +10092,7 @@
             </a:endParaRPr>
           </a:p>
           <a:p>
-            <a:pPr indent="0" lvl="0" marL="914400" rtl="0" algn="l">
+            <a:pPr indent="0" lvl="0" marL="0" rtl="0" algn="l">
               <a:lnSpc>
                 <a:spcPct val="100000"/>
               </a:lnSpc>
@@ -10003,10 +10102,15 @@
               <a:spcAft>
                 <a:spcPts val="0"/>
               </a:spcAft>
+              <a:buClr>
+                <a:schemeClr val="dk2"/>
+              </a:buClr>
+              <a:buSzPts val="1100"/>
+              <a:buFont typeface="Arial"/>
               <a:buNone/>
             </a:pPr>
             <a:r>
-              <a:rPr b="0" lang="es" sz="1300">
+              <a:rPr lang="es" sz="1300">
                 <a:solidFill>
                   <a:srgbClr val="000000"/>
                 </a:solidFill>
@@ -10015,9 +10119,9 @@
                 <a:cs typeface="Roboto Mono"/>
                 <a:sym typeface="Roboto Mono"/>
               </a:rPr>
-              <a:t>| PAR_ABRE &lt;condicion&gt; PAR_CIERRA &lt;op_logico&gt; PAR_ABRE &lt;condicion&gt;   </a:t>
+              <a:t>   		| PAR_ABRE &lt;condicion&gt; PAR_CIERRA &lt;op_logico&gt; &lt;expresion&gt;</a:t>
             </a:r>
-            <a:endParaRPr b="0" sz="1300">
+            <a:endParaRPr sz="1300">
               <a:solidFill>
                 <a:srgbClr val="000000"/>
               </a:solidFill>
@@ -10028,7 +10132,7 @@
             </a:endParaRPr>
           </a:p>
           <a:p>
-            <a:pPr indent="0" lvl="0" marL="914400" rtl="0" algn="l">
+            <a:pPr indent="0" lvl="0" marL="0" rtl="0" algn="l">
               <a:lnSpc>
                 <a:spcPct val="100000"/>
               </a:lnSpc>
@@ -10046,7 +10150,7 @@
               <a:buNone/>
             </a:pPr>
             <a:r>
-              <a:rPr b="0" lang="es" sz="1300">
+              <a:rPr lang="es" sz="1300">
                 <a:solidFill>
                   <a:srgbClr val="000000"/>
                 </a:solidFill>
@@ -10055,9 +10159,9 @@
                 <a:cs typeface="Roboto Mono"/>
                 <a:sym typeface="Roboto Mono"/>
               </a:rPr>
-              <a:t>  PAR_CIERRA</a:t>
+              <a:t>   		| &lt;expresion&gt; &lt;op_logico&gt; PAR_ABRE &lt;condicion&gt; PAR_CIERRA</a:t>
             </a:r>
-            <a:endParaRPr b="0" sz="1300">
+            <a:endParaRPr sz="1300">
               <a:solidFill>
                 <a:srgbClr val="000000"/>
               </a:solidFill>
@@ -10086,7 +10190,7 @@
               <a:buNone/>
             </a:pPr>
             <a:r>
-              <a:rPr b="0" lang="es" sz="1300">
+              <a:rPr lang="es" sz="1300">
                 <a:solidFill>
                   <a:srgbClr val="000000"/>
                 </a:solidFill>
@@ -10095,9 +10199,9 @@
                 <a:cs typeface="Roboto Mono"/>
                 <a:sym typeface="Roboto Mono"/>
               </a:rPr>
-              <a:t>   		| PAR_ABRE &lt;condicion&gt; PAR_CIERRA &lt;op_logico&gt; &lt;expresion&gt;</a:t>
+              <a:t>   		| &lt;expresion&gt; &lt;op_logico&gt; &lt;expresion&gt;</a:t>
             </a:r>
-            <a:endParaRPr b="0" sz="1300">
+            <a:endParaRPr sz="1300">
               <a:solidFill>
                 <a:srgbClr val="000000"/>
               </a:solidFill>
@@ -10126,7 +10230,7 @@
               <a:buNone/>
             </a:pPr>
             <a:r>
-              <a:rPr b="0" lang="es" sz="1300">
+              <a:rPr lang="es" sz="1300">
                 <a:solidFill>
                   <a:srgbClr val="000000"/>
                 </a:solidFill>
@@ -10135,9 +10239,9 @@
                 <a:cs typeface="Roboto Mono"/>
                 <a:sym typeface="Roboto Mono"/>
               </a:rPr>
-              <a:t>   		| &lt;expresion&gt; &lt;op_logico&gt; PAR_ABRE &lt;condicion&gt; PAR_CIERRA</a:t>
+              <a:t>   			 </a:t>
             </a:r>
-            <a:endParaRPr b="0" sz="1300">
+            <a:endParaRPr sz="1300">
               <a:solidFill>
                 <a:srgbClr val="000000"/>
               </a:solidFill>
@@ -10166,7 +10270,7 @@
               <a:buNone/>
             </a:pPr>
             <a:r>
-              <a:rPr b="0" lang="es" sz="1300">
+              <a:rPr lang="es" sz="1300">
                 <a:solidFill>
                   <a:srgbClr val="000000"/>
                 </a:solidFill>
@@ -10175,9 +10279,9 @@
                 <a:cs typeface="Roboto Mono"/>
                 <a:sym typeface="Roboto Mono"/>
               </a:rPr>
-              <a:t>   		| &lt;expresion&gt; &lt;op_logico&gt; &lt;expresion&gt;</a:t>
+              <a:t>&lt;bloque&gt; ::= LLAVE_ABRE &lt;lista_sentencias&lt; LLAVE_CIERRA</a:t>
             </a:r>
-            <a:endParaRPr b="0" sz="1300">
+            <a:endParaRPr sz="1300">
               <a:solidFill>
                 <a:srgbClr val="000000"/>
               </a:solidFill>
@@ -10206,18 +10310,9 @@
               <a:buNone/>
             </a:pPr>
             <a:r>
-              <a:rPr b="0" lang="es" sz="1300">
-                <a:solidFill>
-                  <a:srgbClr val="000000"/>
-                </a:solidFill>
-                <a:latin typeface="Roboto Mono"/>
-                <a:ea typeface="Roboto Mono"/>
-                <a:cs typeface="Roboto Mono"/>
-                <a:sym typeface="Roboto Mono"/>
-              </a:rPr>
-              <a:t>   			 </a:t>
+              <a:t/>
             </a:r>
-            <a:endParaRPr b="0" sz="1300">
+            <a:endParaRPr sz="1300">
               <a:solidFill>
                 <a:srgbClr val="000000"/>
               </a:solidFill>
@@ -10246,7 +10341,7 @@
               <a:buNone/>
             </a:pPr>
             <a:r>
-              <a:rPr b="0" lang="es" sz="1300">
+              <a:rPr lang="es" sz="1300">
                 <a:solidFill>
                   <a:srgbClr val="000000"/>
                 </a:solidFill>
@@ -10255,9 +10350,9 @@
                 <a:cs typeface="Roboto Mono"/>
                 <a:sym typeface="Roboto Mono"/>
               </a:rPr>
-              <a:t>&lt;bloque&gt; ::= LLAVE_ABRE &lt;lista_sentencias&lt; LLAVE_CIERRA</a:t>
+              <a:t>&lt;op_logico&gt; ::= IGUAL | DISTINTO | MENOR | MAYOR | MAYOR_IGUAL</a:t>
             </a:r>
-            <a:endParaRPr b="0" sz="1300">
+            <a:endParaRPr sz="1300">
               <a:solidFill>
                 <a:srgbClr val="000000"/>
               </a:solidFill>
@@ -10288,7 +10383,7 @@
             <a:r>
               <a:t/>
             </a:r>
-            <a:endParaRPr b="0" sz="1300">
+            <a:endParaRPr sz="1300">
               <a:solidFill>
                 <a:srgbClr val="000000"/>
               </a:solidFill>
@@ -10309,81 +10404,10 @@
               <a:spcAft>
                 <a:spcPts val="0"/>
               </a:spcAft>
-              <a:buClr>
-                <a:schemeClr val="dk2"/>
-              </a:buClr>
-              <a:buSzPts val="1100"/>
-              <a:buFont typeface="Arial"/>
               <a:buNone/>
             </a:pPr>
             <a:r>
-              <a:rPr b="0" lang="es" sz="1300">
-                <a:solidFill>
-                  <a:srgbClr val="000000"/>
-                </a:solidFill>
-                <a:latin typeface="Roboto Mono"/>
-                <a:ea typeface="Roboto Mono"/>
-                <a:cs typeface="Roboto Mono"/>
-                <a:sym typeface="Roboto Mono"/>
-              </a:rPr>
-              <a:t>&lt;op_logico&gt; ::= IGUAL | DISTINTO | MENOR | MAYOR | MAYOR_IGUAL</a:t>
-            </a:r>
-            <a:endParaRPr b="0" sz="1300">
-              <a:solidFill>
-                <a:srgbClr val="000000"/>
-              </a:solidFill>
-              <a:latin typeface="Roboto Mono"/>
-              <a:ea typeface="Roboto Mono"/>
-              <a:cs typeface="Roboto Mono"/>
-              <a:sym typeface="Roboto Mono"/>
-            </a:endParaRPr>
-          </a:p>
-          <a:p>
-            <a:pPr indent="0" lvl="0" marL="0" rtl="0" algn="l">
-              <a:lnSpc>
-                <a:spcPct val="100000"/>
-              </a:lnSpc>
-              <a:spcBef>
-                <a:spcPts val="0"/>
-              </a:spcBef>
-              <a:spcAft>
-                <a:spcPts val="0"/>
-              </a:spcAft>
-              <a:buClr>
-                <a:schemeClr val="dk2"/>
-              </a:buClr>
-              <a:buSzPts val="1100"/>
-              <a:buFont typeface="Arial"/>
-              <a:buNone/>
-            </a:pPr>
-            <a:r>
-              <a:t/>
-            </a:r>
-            <a:endParaRPr b="0" sz="1300">
-              <a:solidFill>
-                <a:srgbClr val="000000"/>
-              </a:solidFill>
-              <a:latin typeface="Roboto Mono"/>
-              <a:ea typeface="Roboto Mono"/>
-              <a:cs typeface="Roboto Mono"/>
-              <a:sym typeface="Roboto Mono"/>
-            </a:endParaRPr>
-          </a:p>
-          <a:p>
-            <a:pPr indent="0" lvl="0" marL="0" rtl="0" algn="l">
-              <a:lnSpc>
-                <a:spcPct val="100000"/>
-              </a:lnSpc>
-              <a:spcBef>
-                <a:spcPts val="0"/>
-              </a:spcBef>
-              <a:spcAft>
-                <a:spcPts val="0"/>
-              </a:spcAft>
-              <a:buNone/>
-            </a:pPr>
-            <a:r>
-              <a:rPr b="0" lang="es" sz="1300">
+              <a:rPr lang="es" sz="1300">
                 <a:solidFill>
                   <a:srgbClr val="000000"/>
                 </a:solidFill>
@@ -10394,7 +10418,7 @@
               </a:rPr>
               <a:t>&lt;op_bin&gt; ::= AND | OR</a:t>
             </a:r>
-            <a:endParaRPr b="0" sz="1300">
+            <a:endParaRPr sz="1300">
               <a:solidFill>
                 <a:srgbClr val="000000"/>
               </a:solidFill>
@@ -10518,6 +10542,285 @@
 </file>
 
 <file path=ppt/theme/theme1.xml><?xml version="1.0" encoding="utf-8"?>
+<a:theme xmlns:a="http://schemas.openxmlformats.org/drawingml/2006/main" xmlns:r="http://schemas.openxmlformats.org/officeDocument/2006/relationships">
+  <a:themeElements>
+    <a:clrScheme name="Default">
+      <a:dk1>
+        <a:srgbClr val="000000"/>
+      </a:dk1>
+      <a:lt1>
+        <a:srgbClr val="FFFFFF"/>
+      </a:lt1>
+      <a:dk2>
+        <a:srgbClr val="158158"/>
+      </a:dk2>
+      <a:lt2>
+        <a:srgbClr val="F3F3F3"/>
+      </a:lt2>
+      <a:accent1>
+        <a:srgbClr val="058DC7"/>
+      </a:accent1>
+      <a:accent2>
+        <a:srgbClr val="50B432"/>
+      </a:accent2>
+      <a:accent3>
+        <a:srgbClr val="ED561B"/>
+      </a:accent3>
+      <a:accent4>
+        <a:srgbClr val="EDEF00"/>
+      </a:accent4>
+      <a:accent5>
+        <a:srgbClr val="24CBE5"/>
+      </a:accent5>
+      <a:accent6>
+        <a:srgbClr val="64E572"/>
+      </a:accent6>
+      <a:hlink>
+        <a:srgbClr val="2200CC"/>
+      </a:hlink>
+      <a:folHlink>
+        <a:srgbClr val="551A8B"/>
+      </a:folHlink>
+    </a:clrScheme>
+    <a:fontScheme name="Office">
+      <a:majorFont>
+        <a:latin typeface="Arial"/>
+        <a:ea typeface=""/>
+        <a:cs typeface=""/>
+        <a:font script="Jpan" typeface="ＭＳ Ｐゴシック"/>
+        <a:font script="Hang" typeface="맑은 고딕"/>
+        <a:font script="Hans" typeface="宋体"/>
+        <a:font script="Hant" typeface="新細明體"/>
+        <a:font script="Arab" typeface="Times New Roman"/>
+        <a:font script="Hebr" typeface="Times New Roman"/>
+        <a:font script="Thai" typeface="Angsana New"/>
+        <a:font script="Ethi" typeface="Nyala"/>
+        <a:font script="Beng" typeface="Vrinda"/>
+        <a:font script="Gujr" typeface="Shruti"/>
+        <a:font script="Khmr" typeface="MoolBoran"/>
+        <a:font script="Knda" typeface="Tunga"/>
+        <a:font script="Guru" typeface="Raavi"/>
+        <a:font script="Cans" typeface="Euphemia"/>
+        <a:font script="Cher" typeface="Plantagenet Cherokee"/>
+        <a:font script="Yiii" typeface="Microsoft Yi Baiti"/>
+        <a:font script="Tibt" typeface="Microsoft Himalaya"/>
+        <a:font script="Thaa" typeface="MV Boli"/>
+        <a:font script="Deva" typeface="Mangal"/>
+        <a:font script="Telu" typeface="Gautami"/>
+        <a:font script="Taml" typeface="Latha"/>
+        <a:font script="Syrc" typeface="Estrangelo Edessa"/>
+        <a:font script="Orya" typeface="Kalinga"/>
+        <a:font script="Mlym" typeface="Kartika"/>
+        <a:font script="Laoo" typeface="DokChampa"/>
+        <a:font script="Sinh" typeface="Iskoola Pota"/>
+        <a:font script="Mong" typeface="Mongolian Baiti"/>
+        <a:font script="Viet" typeface="Times New Roman"/>
+        <a:font script="Uigh" typeface="Microsoft Uighur"/>
+        <a:font script="Geor" typeface="Sylfaen"/>
+      </a:majorFont>
+      <a:minorFont>
+        <a:latin typeface="Arial"/>
+        <a:ea typeface=""/>
+        <a:cs typeface=""/>
+        <a:font script="Jpan" typeface="ＭＳ Ｐゴシック"/>
+        <a:font script="Hang" typeface="맑은 고딕"/>
+        <a:font script="Hans" typeface="宋体"/>
+        <a:font script="Hant" typeface="新細明體"/>
+        <a:font script="Arab" typeface="Arial"/>
+        <a:font script="Hebr" typeface="Arial"/>
+        <a:font script="Thai" typeface="Cordia New"/>
+        <a:font script="Ethi" typeface="Nyala"/>
+        <a:font script="Beng" typeface="Vrinda"/>
+        <a:font script="Gujr" typeface="Shruti"/>
+        <a:font script="Khmr" typeface="DaunPenh"/>
+        <a:font script="Knda" typeface="Tunga"/>
+        <a:font script="Guru" typeface="Raavi"/>
+        <a:font script="Cans" typeface="Euphemia"/>
+        <a:font script="Cher" typeface="Plantagenet Cherokee"/>
+        <a:font script="Yiii" typeface="Microsoft Yi Baiti"/>
+        <a:font script="Tibt" typeface="Microsoft Himalaya"/>
+        <a:font script="Thaa" typeface="MV Boli"/>
+        <a:font script="Deva" typeface="Mangal"/>
+        <a:font script="Telu" typeface="Gautami"/>
+        <a:font script="Taml" typeface="Latha"/>
+        <a:font script="Syrc" typeface="Estrangelo Edessa"/>
+        <a:font script="Orya" typeface="Kalinga"/>
+        <a:font script="Mlym" typeface="Kartika"/>
+        <a:font script="Laoo" typeface="DokChampa"/>
+        <a:font script="Sinh" typeface="Iskoola Pota"/>
+        <a:font script="Mong" typeface="Mongolian Baiti"/>
+        <a:font script="Viet" typeface="Arial"/>
+        <a:font script="Uigh" typeface="Microsoft Uighur"/>
+        <a:font script="Geor" typeface="Sylfaen"/>
+      </a:minorFont>
+    </a:fontScheme>
+    <a:fmtScheme name="Office">
+      <a:fillStyleLst>
+        <a:solidFill>
+          <a:schemeClr val="phClr"/>
+        </a:solidFill>
+        <a:gradFill rotWithShape="1">
+          <a:gsLst>
+            <a:gs pos="0">
+              <a:schemeClr val="phClr">
+                <a:tint val="50000"/>
+                <a:satMod val="300000"/>
+              </a:schemeClr>
+            </a:gs>
+            <a:gs pos="35000">
+              <a:schemeClr val="phClr">
+                <a:tint val="37000"/>
+                <a:satMod val="300000"/>
+              </a:schemeClr>
+            </a:gs>
+            <a:gs pos="100000">
+              <a:schemeClr val="phClr">
+                <a:tint val="15000"/>
+                <a:satMod val="350000"/>
+              </a:schemeClr>
+            </a:gs>
+          </a:gsLst>
+          <a:lin ang="16200000" scaled="1"/>
+        </a:gradFill>
+        <a:gradFill rotWithShape="1">
+          <a:gsLst>
+            <a:gs pos="0">
+              <a:schemeClr val="phClr">
+                <a:tint val="100000"/>
+                <a:shade val="100000"/>
+                <a:satMod val="130000"/>
+              </a:schemeClr>
+            </a:gs>
+            <a:gs pos="100000">
+              <a:schemeClr val="phClr">
+                <a:tint val="50000"/>
+                <a:shade val="100000"/>
+                <a:satMod val="350000"/>
+              </a:schemeClr>
+            </a:gs>
+          </a:gsLst>
+          <a:lin ang="16200000" scaled="0"/>
+        </a:gradFill>
+      </a:fillStyleLst>
+      <a:lnStyleLst>
+        <a:ln w="9525" cap="flat" cmpd="sng" algn="ctr">
+          <a:solidFill>
+            <a:schemeClr val="phClr">
+              <a:shade val="95000"/>
+              <a:satMod val="105000"/>
+            </a:schemeClr>
+          </a:solidFill>
+          <a:prstDash val="solid"/>
+        </a:ln>
+        <a:ln w="25400" cap="flat" cmpd="sng" algn="ctr">
+          <a:solidFill>
+            <a:schemeClr val="phClr"/>
+          </a:solidFill>
+          <a:prstDash val="solid"/>
+        </a:ln>
+        <a:ln w="38100" cap="flat" cmpd="sng" algn="ctr">
+          <a:solidFill>
+            <a:schemeClr val="phClr"/>
+          </a:solidFill>
+          <a:prstDash val="solid"/>
+        </a:ln>
+      </a:lnStyleLst>
+      <a:effectStyleLst>
+        <a:effectStyle>
+          <a:effectLst>
+            <a:outerShdw blurRad="40000" dist="20000" dir="5400000" rotWithShape="0">
+              <a:srgbClr val="000000">
+                <a:alpha val="38000"/>
+              </a:srgbClr>
+            </a:outerShdw>
+          </a:effectLst>
+        </a:effectStyle>
+        <a:effectStyle>
+          <a:effectLst>
+            <a:outerShdw blurRad="40000" dist="23000" dir="5400000" rotWithShape="0">
+              <a:srgbClr val="000000">
+                <a:alpha val="35000"/>
+              </a:srgbClr>
+            </a:outerShdw>
+          </a:effectLst>
+        </a:effectStyle>
+        <a:effectStyle>
+          <a:effectLst>
+            <a:outerShdw blurRad="40000" dist="23000" dir="5400000" rotWithShape="0">
+              <a:srgbClr val="000000">
+                <a:alpha val="35000"/>
+              </a:srgbClr>
+            </a:outerShdw>
+          </a:effectLst>
+          <a:scene3d>
+            <a:camera prst="orthographicFront">
+              <a:rot lat="0" lon="0" rev="0"/>
+            </a:camera>
+            <a:lightRig rig="threePt" dir="t">
+              <a:rot lat="0" lon="0" rev="1200000"/>
+            </a:lightRig>
+          </a:scene3d>
+          <a:sp3d>
+            <a:bevelT w="63500" h="25400"/>
+          </a:sp3d>
+        </a:effectStyle>
+      </a:effectStyleLst>
+      <a:bgFillStyleLst>
+        <a:solidFill>
+          <a:schemeClr val="phClr"/>
+        </a:solidFill>
+        <a:gradFill rotWithShape="1">
+          <a:gsLst>
+            <a:gs pos="0">
+              <a:schemeClr val="phClr">
+                <a:tint val="40000"/>
+                <a:satMod val="350000"/>
+              </a:schemeClr>
+            </a:gs>
+            <a:gs pos="40000">
+              <a:schemeClr val="phClr">
+                <a:tint val="45000"/>
+                <a:shade val="99000"/>
+                <a:satMod val="350000"/>
+              </a:schemeClr>
+            </a:gs>
+            <a:gs pos="100000">
+              <a:schemeClr val="phClr">
+                <a:shade val="20000"/>
+                <a:satMod val="255000"/>
+              </a:schemeClr>
+            </a:gs>
+          </a:gsLst>
+          <a:path path="circle">
+            <a:fillToRect l="50000" t="-80000" r="50000" b="180000"/>
+          </a:path>
+        </a:gradFill>
+        <a:gradFill rotWithShape="1">
+          <a:gsLst>
+            <a:gs pos="0">
+              <a:schemeClr val="phClr">
+                <a:tint val="80000"/>
+                <a:satMod val="300000"/>
+              </a:schemeClr>
+            </a:gs>
+            <a:gs pos="100000">
+              <a:schemeClr val="phClr">
+                <a:shade val="30000"/>
+                <a:satMod val="200000"/>
+              </a:schemeClr>
+            </a:gs>
+          </a:gsLst>
+          <a:path path="circle">
+            <a:fillToRect l="50000" t="50000" r="50000" b="50000"/>
+          </a:path>
+        </a:gradFill>
+      </a:bgFillStyleLst>
+    </a:fmtScheme>
+  </a:themeElements>
+</a:theme>
+</file>
+
+<file path=ppt/theme/theme2.xml><?xml version="1.0" encoding="utf-8"?>
 <a:theme xmlns:a="http://schemas.openxmlformats.org/drawingml/2006/main" xmlns:r="http://schemas.openxmlformats.org/officeDocument/2006/relationships" name="Swiss">
   <a:themeElements>
     <a:clrScheme name="Swiss">
@@ -10794,283 +11097,4 @@
     </a:fmtScheme>
   </a:themeElements>
 </a:theme>
-</file>
-
-<file path=ppt/theme/theme2.xml><?xml version="1.0" encoding="utf-8"?>
-<a:theme xmlns:a="http://schemas.openxmlformats.org/drawingml/2006/main" xmlns:r="http://schemas.openxmlformats.org/officeDocument/2006/relationships">
-  <a:themeElements>
-    <a:clrScheme name="Default">
-      <a:dk1>
-        <a:srgbClr val="000000"/>
-      </a:dk1>
-      <a:lt1>
-        <a:srgbClr val="FFFFFF"/>
-      </a:lt1>
-      <a:dk2>
-        <a:srgbClr val="158158"/>
-      </a:dk2>
-      <a:lt2>
-        <a:srgbClr val="F3F3F3"/>
-      </a:lt2>
-      <a:accent1>
-        <a:srgbClr val="058DC7"/>
-      </a:accent1>
-      <a:accent2>
-        <a:srgbClr val="50B432"/>
-      </a:accent2>
-      <a:accent3>
-        <a:srgbClr val="ED561B"/>
-      </a:accent3>
-      <a:accent4>
-        <a:srgbClr val="EDEF00"/>
-      </a:accent4>
-      <a:accent5>
-        <a:srgbClr val="24CBE5"/>
-      </a:accent5>
-      <a:accent6>
-        <a:srgbClr val="64E572"/>
-      </a:accent6>
-      <a:hlink>
-        <a:srgbClr val="2200CC"/>
-      </a:hlink>
-      <a:folHlink>
-        <a:srgbClr val="551A8B"/>
-      </a:folHlink>
-    </a:clrScheme>
-    <a:fontScheme name="Office">
-      <a:majorFont>
-        <a:latin typeface="Arial"/>
-        <a:ea typeface=""/>
-        <a:cs typeface=""/>
-        <a:font script="Jpan" typeface="ＭＳ Ｐゴシック"/>
-        <a:font script="Hang" typeface="맑은 고딕"/>
-        <a:font script="Hans" typeface="宋体"/>
-        <a:font script="Hant" typeface="新細明體"/>
-        <a:font script="Arab" typeface="Times New Roman"/>
-        <a:font script="Hebr" typeface="Times New Roman"/>
-        <a:font script="Thai" typeface="Angsana New"/>
-        <a:font script="Ethi" typeface="Nyala"/>
-        <a:font script="Beng" typeface="Vrinda"/>
-        <a:font script="Gujr" typeface="Shruti"/>
-        <a:font script="Khmr" typeface="MoolBoran"/>
-        <a:font script="Knda" typeface="Tunga"/>
-        <a:font script="Guru" typeface="Raavi"/>
-        <a:font script="Cans" typeface="Euphemia"/>
-        <a:font script="Cher" typeface="Plantagenet Cherokee"/>
-        <a:font script="Yiii" typeface="Microsoft Yi Baiti"/>
-        <a:font script="Tibt" typeface="Microsoft Himalaya"/>
-        <a:font script="Thaa" typeface="MV Boli"/>
-        <a:font script="Deva" typeface="Mangal"/>
-        <a:font script="Telu" typeface="Gautami"/>
-        <a:font script="Taml" typeface="Latha"/>
-        <a:font script="Syrc" typeface="Estrangelo Edessa"/>
-        <a:font script="Orya" typeface="Kalinga"/>
-        <a:font script="Mlym" typeface="Kartika"/>
-        <a:font script="Laoo" typeface="DokChampa"/>
-        <a:font script="Sinh" typeface="Iskoola Pota"/>
-        <a:font script="Mong" typeface="Mongolian Baiti"/>
-        <a:font script="Viet" typeface="Times New Roman"/>
-        <a:font script="Uigh" typeface="Microsoft Uighur"/>
-        <a:font script="Geor" typeface="Sylfaen"/>
-      </a:majorFont>
-      <a:minorFont>
-        <a:latin typeface="Arial"/>
-        <a:ea typeface=""/>
-        <a:cs typeface=""/>
-        <a:font script="Jpan" typeface="ＭＳ Ｐゴシック"/>
-        <a:font script="Hang" typeface="맑은 고딕"/>
-        <a:font script="Hans" typeface="宋体"/>
-        <a:font script="Hant" typeface="新細明體"/>
-        <a:font script="Arab" typeface="Arial"/>
-        <a:font script="Hebr" typeface="Arial"/>
-        <a:font script="Thai" typeface="Cordia New"/>
-        <a:font script="Ethi" typeface="Nyala"/>
-        <a:font script="Beng" typeface="Vrinda"/>
-        <a:font script="Gujr" typeface="Shruti"/>
-        <a:font script="Khmr" typeface="DaunPenh"/>
-        <a:font script="Knda" typeface="Tunga"/>
-        <a:font script="Guru" typeface="Raavi"/>
-        <a:font script="Cans" typeface="Euphemia"/>
-        <a:font script="Cher" typeface="Plantagenet Cherokee"/>
-        <a:font script="Yiii" typeface="Microsoft Yi Baiti"/>
-        <a:font script="Tibt" typeface="Microsoft Himalaya"/>
-        <a:font script="Thaa" typeface="MV Boli"/>
-        <a:font script="Deva" typeface="Mangal"/>
-        <a:font script="Telu" typeface="Gautami"/>
-        <a:font script="Taml" typeface="Latha"/>
-        <a:font script="Syrc" typeface="Estrangelo Edessa"/>
-        <a:font script="Orya" typeface="Kalinga"/>
-        <a:font script="Mlym" typeface="Kartika"/>
-        <a:font script="Laoo" typeface="DokChampa"/>
-        <a:font script="Sinh" typeface="Iskoola Pota"/>
-        <a:font script="Mong" typeface="Mongolian Baiti"/>
-        <a:font script="Viet" typeface="Arial"/>
-        <a:font script="Uigh" typeface="Microsoft Uighur"/>
-        <a:font script="Geor" typeface="Sylfaen"/>
-      </a:minorFont>
-    </a:fontScheme>
-    <a:fmtScheme name="Office">
-      <a:fillStyleLst>
-        <a:solidFill>
-          <a:schemeClr val="phClr"/>
-        </a:solidFill>
-        <a:gradFill rotWithShape="1">
-          <a:gsLst>
-            <a:gs pos="0">
-              <a:schemeClr val="phClr">
-                <a:tint val="50000"/>
-                <a:satMod val="300000"/>
-              </a:schemeClr>
-            </a:gs>
-            <a:gs pos="35000">
-              <a:schemeClr val="phClr">
-                <a:tint val="37000"/>
-                <a:satMod val="300000"/>
-              </a:schemeClr>
-            </a:gs>
-            <a:gs pos="100000">
-              <a:schemeClr val="phClr">
-                <a:tint val="15000"/>
-                <a:satMod val="350000"/>
-              </a:schemeClr>
-            </a:gs>
-          </a:gsLst>
-          <a:lin ang="16200000" scaled="1"/>
-        </a:gradFill>
-        <a:gradFill rotWithShape="1">
-          <a:gsLst>
-            <a:gs pos="0">
-              <a:schemeClr val="phClr">
-                <a:tint val="100000"/>
-                <a:shade val="100000"/>
-                <a:satMod val="130000"/>
-              </a:schemeClr>
-            </a:gs>
-            <a:gs pos="100000">
-              <a:schemeClr val="phClr">
-                <a:tint val="50000"/>
-                <a:shade val="100000"/>
-                <a:satMod val="350000"/>
-              </a:schemeClr>
-            </a:gs>
-          </a:gsLst>
-          <a:lin ang="16200000" scaled="0"/>
-        </a:gradFill>
-      </a:fillStyleLst>
-      <a:lnStyleLst>
-        <a:ln w="9525" cap="flat" cmpd="sng" algn="ctr">
-          <a:solidFill>
-            <a:schemeClr val="phClr">
-              <a:shade val="95000"/>
-              <a:satMod val="105000"/>
-            </a:schemeClr>
-          </a:solidFill>
-          <a:prstDash val="solid"/>
-        </a:ln>
-        <a:ln w="25400" cap="flat" cmpd="sng" algn="ctr">
-          <a:solidFill>
-            <a:schemeClr val="phClr"/>
-          </a:solidFill>
-          <a:prstDash val="solid"/>
-        </a:ln>
-        <a:ln w="38100" cap="flat" cmpd="sng" algn="ctr">
-          <a:solidFill>
-            <a:schemeClr val="phClr"/>
-          </a:solidFill>
-          <a:prstDash val="solid"/>
-        </a:ln>
-      </a:lnStyleLst>
-      <a:effectStyleLst>
-        <a:effectStyle>
-          <a:effectLst>
-            <a:outerShdw blurRad="40000" dist="20000" dir="5400000" rotWithShape="0">
-              <a:srgbClr val="000000">
-                <a:alpha val="38000"/>
-              </a:srgbClr>
-            </a:outerShdw>
-          </a:effectLst>
-        </a:effectStyle>
-        <a:effectStyle>
-          <a:effectLst>
-            <a:outerShdw blurRad="40000" dist="23000" dir="5400000" rotWithShape="0">
-              <a:srgbClr val="000000">
-                <a:alpha val="35000"/>
-              </a:srgbClr>
-            </a:outerShdw>
-          </a:effectLst>
-        </a:effectStyle>
-        <a:effectStyle>
-          <a:effectLst>
-            <a:outerShdw blurRad="40000" dist="23000" dir="5400000" rotWithShape="0">
-              <a:srgbClr val="000000">
-                <a:alpha val="35000"/>
-              </a:srgbClr>
-            </a:outerShdw>
-          </a:effectLst>
-          <a:scene3d>
-            <a:camera prst="orthographicFront">
-              <a:rot lat="0" lon="0" rev="0"/>
-            </a:camera>
-            <a:lightRig rig="threePt" dir="t">
-              <a:rot lat="0" lon="0" rev="1200000"/>
-            </a:lightRig>
-          </a:scene3d>
-          <a:sp3d>
-            <a:bevelT w="63500" h="25400"/>
-          </a:sp3d>
-        </a:effectStyle>
-      </a:effectStyleLst>
-      <a:bgFillStyleLst>
-        <a:solidFill>
-          <a:schemeClr val="phClr"/>
-        </a:solidFill>
-        <a:gradFill rotWithShape="1">
-          <a:gsLst>
-            <a:gs pos="0">
-              <a:schemeClr val="phClr">
-                <a:tint val="40000"/>
-                <a:satMod val="350000"/>
-              </a:schemeClr>
-            </a:gs>
-            <a:gs pos="40000">
-              <a:schemeClr val="phClr">
-                <a:tint val="45000"/>
-                <a:shade val="99000"/>
-                <a:satMod val="350000"/>
-              </a:schemeClr>
-            </a:gs>
-            <a:gs pos="100000">
-              <a:schemeClr val="phClr">
-                <a:shade val="20000"/>
-                <a:satMod val="255000"/>
-              </a:schemeClr>
-            </a:gs>
-          </a:gsLst>
-          <a:path path="circle">
-            <a:fillToRect l="50000" t="-80000" r="50000" b="180000"/>
-          </a:path>
-        </a:gradFill>
-        <a:gradFill rotWithShape="1">
-          <a:gsLst>
-            <a:gs pos="0">
-              <a:schemeClr val="phClr">
-                <a:tint val="80000"/>
-                <a:satMod val="300000"/>
-              </a:schemeClr>
-            </a:gs>
-            <a:gs pos="100000">
-              <a:schemeClr val="phClr">
-                <a:shade val="30000"/>
-                <a:satMod val="200000"/>
-              </a:schemeClr>
-            </a:gs>
-          </a:gsLst>
-          <a:path path="circle">
-            <a:fillToRect l="50000" t="50000" r="50000" b="50000"/>
-          </a:path>
-        </a:gradFill>
-      </a:bgFillStyleLst>
-    </a:fmtScheme>
-  </a:themeElements>
-</a:theme>
 </file>